--- a/survey_prolificuk_sicss.pptx
+++ b/survey_prolificuk_sicss.pptx
@@ -8,6 +8,12 @@
     <p:sldId id="256" r:id="rId2"/>
     <p:sldId id="257" r:id="rId3"/>
     <p:sldId id="258" r:id="rId4"/>
+    <p:sldId id="259" r:id="rId5"/>
+    <p:sldId id="260" r:id="rId6"/>
+    <p:sldId id="261" r:id="rId7"/>
+    <p:sldId id="262" r:id="rId8"/>
+    <p:sldId id="263" r:id="rId9"/>
+    <p:sldId id="264" r:id="rId10"/>
   </p:sldIdLst>
   <p:sldSz cx="12192000" cy="6858000"/>
   <p:notesSz cx="6858000" cy="9144000"/>
@@ -106,6 +112,11 @@
       </a:defRPr>
     </a:lvl9pPr>
   </p:defaultTextStyle>
+  <p:extLst>
+    <p:ext uri="{EFAFB233-063F-42B5-8137-9DF3F51BA10A}">
+      <p15:sldGuideLst xmlns:p15="http://schemas.microsoft.com/office/powerpoint/2012/main"/>
+    </p:ext>
+  </p:extLst>
 </p:presentation>
 </file>
 
@@ -3626,13 +3637,35 @@
             <a:pPr lvl="1"/>
             <a:r>
               <a:rPr lang="en-GB" dirty="0"/>
-              <a:t>Gender, age, ethnicity, UK country</a:t>
-            </a:r>
-            <a:r>
-              <a:rPr lang="en-GB"/>
-              <a:t>, education</a:t>
-            </a:r>
-            <a:endParaRPr lang="en-GB" dirty="0"/>
+              <a:t>Gender, age, ethnicity, UK country, education</a:t>
+            </a:r>
+          </a:p>
+          <a:p>
+            <a:r>
+              <a:rPr lang="en-GB" dirty="0"/>
+              <a:t>Outcome questions: </a:t>
+            </a:r>
+          </a:p>
+          <a:p>
+            <a:pPr lvl="1"/>
+            <a:r>
+              <a:rPr lang="en-GB" dirty="0"/>
+              <a:t>Political knowledge battery</a:t>
+            </a:r>
+          </a:p>
+          <a:p>
+            <a:pPr lvl="1"/>
+            <a:r>
+              <a:rPr lang="en-GB" dirty="0"/>
+              <a:t>Turnout, Vote choice in 2019 election</a:t>
+            </a:r>
+          </a:p>
+          <a:p>
+            <a:pPr lvl="1"/>
+            <a:r>
+              <a:rPr lang="en-GB" dirty="0"/>
+              <a:t>Partisanship</a:t>
+            </a:r>
           </a:p>
         </p:txBody>
       </p:sp>
@@ -3640,6 +3673,504 @@
     <p:extLst>
       <p:ext uri="{BB962C8B-B14F-4D97-AF65-F5344CB8AC3E}">
         <p14:creationId xmlns:p14="http://schemas.microsoft.com/office/powerpoint/2010/main" val="3915203910"/>
+      </p:ext>
+    </p:extLst>
+  </p:cSld>
+  <p:clrMapOvr>
+    <a:masterClrMapping/>
+  </p:clrMapOvr>
+</p:sld>
+</file>
+
+<file path=ppt/slides/slide4.xml><?xml version="1.0" encoding="utf-8"?>
+<p:sld xmlns:a="http://schemas.openxmlformats.org/drawingml/2006/main" xmlns:r="http://schemas.openxmlformats.org/officeDocument/2006/relationships" xmlns:p="http://schemas.openxmlformats.org/presentationml/2006/main">
+  <p:cSld>
+    <p:spTree>
+      <p:nvGrpSpPr>
+        <p:cNvPr id="1" name=""/>
+        <p:cNvGrpSpPr/>
+        <p:nvPr/>
+      </p:nvGrpSpPr>
+      <p:grpSpPr>
+        <a:xfrm>
+          <a:off x="0" y="0"/>
+          <a:ext cx="0" cy="0"/>
+          <a:chOff x="0" y="0"/>
+          <a:chExt cx="0" cy="0"/>
+        </a:xfrm>
+      </p:grpSpPr>
+      <p:sp>
+        <p:nvSpPr>
+          <p:cNvPr id="2" name="Title 1">
+            <a:extLst>
+              <a:ext uri="{FF2B5EF4-FFF2-40B4-BE49-F238E27FC236}">
+                <a16:creationId xmlns:a16="http://schemas.microsoft.com/office/drawing/2014/main" id="{308F39D6-94B8-4B82-8F61-B834BD2D5278}"/>
+              </a:ext>
+            </a:extLst>
+          </p:cNvPr>
+          <p:cNvSpPr>
+            <a:spLocks noGrp="1"/>
+          </p:cNvSpPr>
+          <p:nvPr>
+            <p:ph type="title"/>
+          </p:nvPr>
+        </p:nvSpPr>
+        <p:spPr/>
+        <p:txBody>
+          <a:bodyPr/>
+          <a:lstStyle/>
+          <a:p>
+            <a:endParaRPr lang="en-GB"/>
+          </a:p>
+        </p:txBody>
+      </p:sp>
+      <p:pic>
+        <p:nvPicPr>
+          <p:cNvPr id="5" name="Content Placeholder 4">
+            <a:extLst>
+              <a:ext uri="{FF2B5EF4-FFF2-40B4-BE49-F238E27FC236}">
+                <a16:creationId xmlns:a16="http://schemas.microsoft.com/office/drawing/2014/main" id="{7BF90CDB-1E07-4ED8-ACA2-5F57E46CB4CA}"/>
+              </a:ext>
+            </a:extLst>
+          </p:cNvPr>
+          <p:cNvPicPr>
+            <a:picLocks noGrp="1" noChangeAspect="1"/>
+          </p:cNvPicPr>
+          <p:nvPr>
+            <p:ph idx="1"/>
+          </p:nvPr>
+        </p:nvPicPr>
+        <p:blipFill rotWithShape="1">
+          <a:blip r:embed="rId2"/>
+          <a:srcRect l="17986" t="21525" r="20203" b="5363"/>
+          <a:stretch/>
+        </p:blipFill>
+        <p:spPr>
+          <a:xfrm>
+            <a:off x="2300288" y="644095"/>
+            <a:ext cx="7591424" cy="5050870"/>
+          </a:xfrm>
+        </p:spPr>
+      </p:pic>
+    </p:spTree>
+    <p:extLst>
+      <p:ext uri="{BB962C8B-B14F-4D97-AF65-F5344CB8AC3E}">
+        <p14:creationId xmlns:p14="http://schemas.microsoft.com/office/powerpoint/2010/main" val="2751623721"/>
+      </p:ext>
+    </p:extLst>
+  </p:cSld>
+  <p:clrMapOvr>
+    <a:masterClrMapping/>
+  </p:clrMapOvr>
+</p:sld>
+</file>
+
+<file path=ppt/slides/slide5.xml><?xml version="1.0" encoding="utf-8"?>
+<p:sld xmlns:a="http://schemas.openxmlformats.org/drawingml/2006/main" xmlns:r="http://schemas.openxmlformats.org/officeDocument/2006/relationships" xmlns:p="http://schemas.openxmlformats.org/presentationml/2006/main">
+  <p:cSld>
+    <p:spTree>
+      <p:nvGrpSpPr>
+        <p:cNvPr id="1" name=""/>
+        <p:cNvGrpSpPr/>
+        <p:nvPr/>
+      </p:nvGrpSpPr>
+      <p:grpSpPr>
+        <a:xfrm>
+          <a:off x="0" y="0"/>
+          <a:ext cx="0" cy="0"/>
+          <a:chOff x="0" y="0"/>
+          <a:chExt cx="0" cy="0"/>
+        </a:xfrm>
+      </p:grpSpPr>
+      <p:sp>
+        <p:nvSpPr>
+          <p:cNvPr id="2" name="Title 1">
+            <a:extLst>
+              <a:ext uri="{FF2B5EF4-FFF2-40B4-BE49-F238E27FC236}">
+                <a16:creationId xmlns:a16="http://schemas.microsoft.com/office/drawing/2014/main" id="{A1E796AB-7900-404C-AEA9-E49A80356F7C}"/>
+              </a:ext>
+            </a:extLst>
+          </p:cNvPr>
+          <p:cNvSpPr>
+            <a:spLocks noGrp="1"/>
+          </p:cNvSpPr>
+          <p:nvPr>
+            <p:ph type="title"/>
+          </p:nvPr>
+        </p:nvSpPr>
+        <p:spPr/>
+        <p:txBody>
+          <a:bodyPr/>
+          <a:lstStyle/>
+          <a:p>
+            <a:r>
+              <a:rPr lang="en-GB" dirty="0"/>
+              <a:t>Unadjusted Political knowledge (Prolific)</a:t>
+            </a:r>
+          </a:p>
+        </p:txBody>
+      </p:sp>
+      <p:sp>
+        <p:nvSpPr>
+          <p:cNvPr id="3" name="Content Placeholder 2">
+            <a:extLst>
+              <a:ext uri="{FF2B5EF4-FFF2-40B4-BE49-F238E27FC236}">
+                <a16:creationId xmlns:a16="http://schemas.microsoft.com/office/drawing/2014/main" id="{0E0C04BE-9D37-4BEC-854F-914CA4DE6310}"/>
+              </a:ext>
+            </a:extLst>
+          </p:cNvPr>
+          <p:cNvSpPr>
+            <a:spLocks noGrp="1"/>
+          </p:cNvSpPr>
+          <p:nvPr>
+            <p:ph idx="1"/>
+          </p:nvPr>
+        </p:nvSpPr>
+        <p:spPr/>
+        <p:txBody>
+          <a:bodyPr/>
+          <a:lstStyle/>
+          <a:p>
+            <a:endParaRPr lang="en-GB"/>
+          </a:p>
+        </p:txBody>
+      </p:sp>
+    </p:spTree>
+    <p:extLst>
+      <p:ext uri="{BB962C8B-B14F-4D97-AF65-F5344CB8AC3E}">
+        <p14:creationId xmlns:p14="http://schemas.microsoft.com/office/powerpoint/2010/main" val="1651702691"/>
+      </p:ext>
+    </p:extLst>
+  </p:cSld>
+  <p:clrMapOvr>
+    <a:masterClrMapping/>
+  </p:clrMapOvr>
+</p:sld>
+</file>
+
+<file path=ppt/slides/slide6.xml><?xml version="1.0" encoding="utf-8"?>
+<p:sld xmlns:a="http://schemas.openxmlformats.org/drawingml/2006/main" xmlns:r="http://schemas.openxmlformats.org/officeDocument/2006/relationships" xmlns:p="http://schemas.openxmlformats.org/presentationml/2006/main">
+  <p:cSld>
+    <p:spTree>
+      <p:nvGrpSpPr>
+        <p:cNvPr id="1" name=""/>
+        <p:cNvGrpSpPr/>
+        <p:nvPr/>
+      </p:nvGrpSpPr>
+      <p:grpSpPr>
+        <a:xfrm>
+          <a:off x="0" y="0"/>
+          <a:ext cx="0" cy="0"/>
+          <a:chOff x="0" y="0"/>
+          <a:chExt cx="0" cy="0"/>
+        </a:xfrm>
+      </p:grpSpPr>
+      <p:sp>
+        <p:nvSpPr>
+          <p:cNvPr id="2" name="Title 1">
+            <a:extLst>
+              <a:ext uri="{FF2B5EF4-FFF2-40B4-BE49-F238E27FC236}">
+                <a16:creationId xmlns:a16="http://schemas.microsoft.com/office/drawing/2014/main" id="{E07298C3-4FED-4673-A261-D0A9E15ECF7B}"/>
+              </a:ext>
+            </a:extLst>
+          </p:cNvPr>
+          <p:cNvSpPr>
+            <a:spLocks noGrp="1"/>
+          </p:cNvSpPr>
+          <p:nvPr>
+            <p:ph type="title"/>
+          </p:nvPr>
+        </p:nvSpPr>
+        <p:spPr/>
+        <p:txBody>
+          <a:bodyPr/>
+          <a:lstStyle/>
+          <a:p>
+            <a:r>
+              <a:rPr lang="en-GB" dirty="0"/>
+              <a:t>Unadjusted Political knowledge (Prolific vs BES)</a:t>
+            </a:r>
+          </a:p>
+        </p:txBody>
+      </p:sp>
+      <p:sp>
+        <p:nvSpPr>
+          <p:cNvPr id="3" name="Content Placeholder 2">
+            <a:extLst>
+              <a:ext uri="{FF2B5EF4-FFF2-40B4-BE49-F238E27FC236}">
+                <a16:creationId xmlns:a16="http://schemas.microsoft.com/office/drawing/2014/main" id="{CCDC4814-A0A9-495B-8576-B40EDF6D404C}"/>
+              </a:ext>
+            </a:extLst>
+          </p:cNvPr>
+          <p:cNvSpPr>
+            <a:spLocks noGrp="1"/>
+          </p:cNvSpPr>
+          <p:nvPr>
+            <p:ph idx="1"/>
+          </p:nvPr>
+        </p:nvSpPr>
+        <p:spPr/>
+        <p:txBody>
+          <a:bodyPr/>
+          <a:lstStyle/>
+          <a:p>
+            <a:endParaRPr lang="en-GB"/>
+          </a:p>
+        </p:txBody>
+      </p:sp>
+    </p:spTree>
+    <p:extLst>
+      <p:ext uri="{BB962C8B-B14F-4D97-AF65-F5344CB8AC3E}">
+        <p14:creationId xmlns:p14="http://schemas.microsoft.com/office/powerpoint/2010/main" val="1443448390"/>
+      </p:ext>
+    </p:extLst>
+  </p:cSld>
+  <p:clrMapOvr>
+    <a:masterClrMapping/>
+  </p:clrMapOvr>
+</p:sld>
+</file>
+
+<file path=ppt/slides/slide7.xml><?xml version="1.0" encoding="utf-8"?>
+<p:sld xmlns:a="http://schemas.openxmlformats.org/drawingml/2006/main" xmlns:r="http://schemas.openxmlformats.org/officeDocument/2006/relationships" xmlns:p="http://schemas.openxmlformats.org/presentationml/2006/main">
+  <p:cSld>
+    <p:spTree>
+      <p:nvGrpSpPr>
+        <p:cNvPr id="1" name=""/>
+        <p:cNvGrpSpPr/>
+        <p:nvPr/>
+      </p:nvGrpSpPr>
+      <p:grpSpPr>
+        <a:xfrm>
+          <a:off x="0" y="0"/>
+          <a:ext cx="0" cy="0"/>
+          <a:chOff x="0" y="0"/>
+          <a:chExt cx="0" cy="0"/>
+        </a:xfrm>
+      </p:grpSpPr>
+      <p:sp>
+        <p:nvSpPr>
+          <p:cNvPr id="2" name="Title 1">
+            <a:extLst>
+              <a:ext uri="{FF2B5EF4-FFF2-40B4-BE49-F238E27FC236}">
+                <a16:creationId xmlns:a16="http://schemas.microsoft.com/office/drawing/2014/main" id="{2FC915B9-7296-4CB9-9B72-858D408EA832}"/>
+              </a:ext>
+            </a:extLst>
+          </p:cNvPr>
+          <p:cNvSpPr>
+            <a:spLocks noGrp="1"/>
+          </p:cNvSpPr>
+          <p:nvPr>
+            <p:ph type="title"/>
+          </p:nvPr>
+        </p:nvSpPr>
+        <p:spPr/>
+        <p:txBody>
+          <a:bodyPr/>
+          <a:lstStyle/>
+          <a:p>
+            <a:r>
+              <a:rPr lang="en-GB" dirty="0"/>
+              <a:t>Unadjusted Turnout (Prolific)</a:t>
+            </a:r>
+          </a:p>
+        </p:txBody>
+      </p:sp>
+      <p:sp>
+        <p:nvSpPr>
+          <p:cNvPr id="3" name="Content Placeholder 2">
+            <a:extLst>
+              <a:ext uri="{FF2B5EF4-FFF2-40B4-BE49-F238E27FC236}">
+                <a16:creationId xmlns:a16="http://schemas.microsoft.com/office/drawing/2014/main" id="{68A1C3D7-ED5A-435C-9482-4F5106C30013}"/>
+              </a:ext>
+            </a:extLst>
+          </p:cNvPr>
+          <p:cNvSpPr>
+            <a:spLocks noGrp="1"/>
+          </p:cNvSpPr>
+          <p:nvPr>
+            <p:ph idx="1"/>
+          </p:nvPr>
+        </p:nvSpPr>
+        <p:spPr/>
+        <p:txBody>
+          <a:bodyPr/>
+          <a:lstStyle/>
+          <a:p>
+            <a:endParaRPr lang="en-GB"/>
+          </a:p>
+        </p:txBody>
+      </p:sp>
+    </p:spTree>
+    <p:extLst>
+      <p:ext uri="{BB962C8B-B14F-4D97-AF65-F5344CB8AC3E}">
+        <p14:creationId xmlns:p14="http://schemas.microsoft.com/office/powerpoint/2010/main" val="1599791738"/>
+      </p:ext>
+    </p:extLst>
+  </p:cSld>
+  <p:clrMapOvr>
+    <a:masterClrMapping/>
+  </p:clrMapOvr>
+</p:sld>
+</file>
+
+<file path=ppt/slides/slide8.xml><?xml version="1.0" encoding="utf-8"?>
+<p:sld xmlns:a="http://schemas.openxmlformats.org/drawingml/2006/main" xmlns:r="http://schemas.openxmlformats.org/officeDocument/2006/relationships" xmlns:p="http://schemas.openxmlformats.org/presentationml/2006/main">
+  <p:cSld>
+    <p:spTree>
+      <p:nvGrpSpPr>
+        <p:cNvPr id="1" name=""/>
+        <p:cNvGrpSpPr/>
+        <p:nvPr/>
+      </p:nvGrpSpPr>
+      <p:grpSpPr>
+        <a:xfrm>
+          <a:off x="0" y="0"/>
+          <a:ext cx="0" cy="0"/>
+          <a:chOff x="0" y="0"/>
+          <a:chExt cx="0" cy="0"/>
+        </a:xfrm>
+      </p:grpSpPr>
+      <p:sp>
+        <p:nvSpPr>
+          <p:cNvPr id="2" name="Title 1">
+            <a:extLst>
+              <a:ext uri="{FF2B5EF4-FFF2-40B4-BE49-F238E27FC236}">
+                <a16:creationId xmlns:a16="http://schemas.microsoft.com/office/drawing/2014/main" id="{0E73F96B-B7B7-4B66-AA8C-13ABCAA7835A}"/>
+              </a:ext>
+            </a:extLst>
+          </p:cNvPr>
+          <p:cNvSpPr>
+            <a:spLocks noGrp="1"/>
+          </p:cNvSpPr>
+          <p:nvPr>
+            <p:ph type="title"/>
+          </p:nvPr>
+        </p:nvSpPr>
+        <p:spPr/>
+        <p:txBody>
+          <a:bodyPr/>
+          <a:lstStyle/>
+          <a:p>
+            <a:r>
+              <a:rPr lang="en-GB" dirty="0"/>
+              <a:t>Unadjusted Turnout (Prolific vs BES)</a:t>
+            </a:r>
+          </a:p>
+        </p:txBody>
+      </p:sp>
+      <p:sp>
+        <p:nvSpPr>
+          <p:cNvPr id="3" name="Content Placeholder 2">
+            <a:extLst>
+              <a:ext uri="{FF2B5EF4-FFF2-40B4-BE49-F238E27FC236}">
+                <a16:creationId xmlns:a16="http://schemas.microsoft.com/office/drawing/2014/main" id="{D7592A1C-E1AA-41CC-83CC-87977E08FC8F}"/>
+              </a:ext>
+            </a:extLst>
+          </p:cNvPr>
+          <p:cNvSpPr>
+            <a:spLocks noGrp="1"/>
+          </p:cNvSpPr>
+          <p:nvPr>
+            <p:ph idx="1"/>
+          </p:nvPr>
+        </p:nvSpPr>
+        <p:spPr/>
+        <p:txBody>
+          <a:bodyPr/>
+          <a:lstStyle/>
+          <a:p>
+            <a:endParaRPr lang="en-GB" dirty="0"/>
+          </a:p>
+        </p:txBody>
+      </p:sp>
+    </p:spTree>
+    <p:extLst>
+      <p:ext uri="{BB962C8B-B14F-4D97-AF65-F5344CB8AC3E}">
+        <p14:creationId xmlns:p14="http://schemas.microsoft.com/office/powerpoint/2010/main" val="3670657071"/>
+      </p:ext>
+    </p:extLst>
+  </p:cSld>
+  <p:clrMapOvr>
+    <a:masterClrMapping/>
+  </p:clrMapOvr>
+</p:sld>
+</file>
+
+<file path=ppt/slides/slide9.xml><?xml version="1.0" encoding="utf-8"?>
+<p:sld xmlns:a="http://schemas.openxmlformats.org/drawingml/2006/main" xmlns:r="http://schemas.openxmlformats.org/officeDocument/2006/relationships" xmlns:p="http://schemas.openxmlformats.org/presentationml/2006/main">
+  <p:cSld>
+    <p:spTree>
+      <p:nvGrpSpPr>
+        <p:cNvPr id="1" name=""/>
+        <p:cNvGrpSpPr/>
+        <p:nvPr/>
+      </p:nvGrpSpPr>
+      <p:grpSpPr>
+        <a:xfrm>
+          <a:off x="0" y="0"/>
+          <a:ext cx="0" cy="0"/>
+          <a:chOff x="0" y="0"/>
+          <a:chExt cx="0" cy="0"/>
+        </a:xfrm>
+      </p:grpSpPr>
+      <p:sp>
+        <p:nvSpPr>
+          <p:cNvPr id="2" name="Title 1">
+            <a:extLst>
+              <a:ext uri="{FF2B5EF4-FFF2-40B4-BE49-F238E27FC236}">
+                <a16:creationId xmlns:a16="http://schemas.microsoft.com/office/drawing/2014/main" id="{9C29339A-AA11-4FA0-92B1-38C369E913FE}"/>
+              </a:ext>
+            </a:extLst>
+          </p:cNvPr>
+          <p:cNvSpPr>
+            <a:spLocks noGrp="1"/>
+          </p:cNvSpPr>
+          <p:nvPr>
+            <p:ph type="title"/>
+          </p:nvPr>
+        </p:nvSpPr>
+        <p:spPr/>
+        <p:txBody>
+          <a:bodyPr/>
+          <a:lstStyle/>
+          <a:p>
+            <a:r>
+              <a:rPr lang="en-GB" dirty="0"/>
+              <a:t>Political knowledge: Calculate group means, group weights, and weighted means</a:t>
+            </a:r>
+          </a:p>
+        </p:txBody>
+      </p:sp>
+      <p:sp>
+        <p:nvSpPr>
+          <p:cNvPr id="3" name="Content Placeholder 2">
+            <a:extLst>
+              <a:ext uri="{FF2B5EF4-FFF2-40B4-BE49-F238E27FC236}">
+                <a16:creationId xmlns:a16="http://schemas.microsoft.com/office/drawing/2014/main" id="{4745E1BF-B99E-4EB0-9C37-F1C1FDFDAD51}"/>
+              </a:ext>
+            </a:extLst>
+          </p:cNvPr>
+          <p:cNvSpPr>
+            <a:spLocks noGrp="1"/>
+          </p:cNvSpPr>
+          <p:nvPr>
+            <p:ph idx="1"/>
+          </p:nvPr>
+        </p:nvSpPr>
+        <p:spPr/>
+        <p:txBody>
+          <a:bodyPr/>
+          <a:lstStyle/>
+          <a:p>
+            <a:endParaRPr lang="en-GB" dirty="0"/>
+          </a:p>
+        </p:txBody>
+      </p:sp>
+    </p:spTree>
+    <p:extLst>
+      <p:ext uri="{BB962C8B-B14F-4D97-AF65-F5344CB8AC3E}">
+        <p14:creationId xmlns:p14="http://schemas.microsoft.com/office/powerpoint/2010/main" val="2633119293"/>
       </p:ext>
     </p:extLst>
   </p:cSld>
